--- a/DoliSquadAlarm.pptx
+++ b/DoliSquadAlarm.pptx
@@ -108,6 +108,11 @@
       </a:defRPr>
     </a:lvl9pPr>
   </p:defaultTextStyle>
+  <p:extLst>
+    <p:ext uri="{EFAFB233-063F-42B5-8137-9DF3F51BA10A}">
+      <p15:sldGuideLst xmlns:p15="http://schemas.microsoft.com/office/powerpoint/2012/main"/>
+    </p:ext>
+  </p:extLst>
 </p:presentation>
 </file>
 
@@ -136,7 +141,7 @@
   <pc:docChgLst>
     <pc:chgData name="louis dumas" userId="49ac7bc9f2fe372f" providerId="LiveId" clId="{8694D7BA-634A-432D-8166-33A31484BD65}"/>
     <pc:docChg chg="undo custSel mod addSld modSld addMainMaster delMainMaster">
-      <pc:chgData name="louis dumas" userId="49ac7bc9f2fe372f" providerId="LiveId" clId="{8694D7BA-634A-432D-8166-33A31484BD65}" dt="2020-12-18T11:07:42.738" v="325" actId="20577"/>
+      <pc:chgData name="louis dumas" userId="49ac7bc9f2fe372f" providerId="LiveId" clId="{8694D7BA-634A-432D-8166-33A31484BD65}" dt="2020-12-18T13:20:16.617" v="326" actId="20577"/>
       <pc:docMkLst>
         <pc:docMk/>
       </pc:docMkLst>
@@ -314,13 +319,13 @@
         </pc:graphicFrameChg>
       </pc:sldChg>
       <pc:sldChg chg="modSp new mod">
-        <pc:chgData name="louis dumas" userId="49ac7bc9f2fe372f" providerId="LiveId" clId="{8694D7BA-634A-432D-8166-33A31484BD65}" dt="2020-12-18T11:07:42.738" v="325" actId="20577"/>
+        <pc:chgData name="louis dumas" userId="49ac7bc9f2fe372f" providerId="LiveId" clId="{8694D7BA-634A-432D-8166-33A31484BD65}" dt="2020-12-18T13:20:16.617" v="326" actId="20577"/>
         <pc:sldMkLst>
           <pc:docMk/>
           <pc:sldMk cId="2045203132" sldId="259"/>
         </pc:sldMkLst>
         <pc:spChg chg="mod">
-          <ac:chgData name="louis dumas" userId="49ac7bc9f2fe372f" providerId="LiveId" clId="{8694D7BA-634A-432D-8166-33A31484BD65}" dt="2020-12-18T11:01:49.480" v="217" actId="20577"/>
+          <ac:chgData name="louis dumas" userId="49ac7bc9f2fe372f" providerId="LiveId" clId="{8694D7BA-634A-432D-8166-33A31484BD65}" dt="2020-12-18T13:20:16.617" v="326" actId="20577"/>
           <ac:spMkLst>
             <pc:docMk/>
             <pc:sldMk cId="2045203132" sldId="259"/>
@@ -8084,9 +8089,10 @@
           <a:lstStyle/>
           <a:p>
             <a:r>
-              <a:rPr lang="fr-FR" dirty="0"/>
-              <a:t>Problèmes rencontré</a:t>
+              <a:rPr lang="fr-FR"/>
+              <a:t>Problèmes rencontrés</a:t>
             </a:r>
+            <a:endParaRPr lang="fr-FR" dirty="0"/>
           </a:p>
         </p:txBody>
       </p:sp>
